--- a/powerpoint/DD25_250606_BEHNISHMANN_SMARTONFHIRAPP.pptx
+++ b/powerpoint/DD25_250606_BEHNISHMANN_SMARTONFHIRAPP.pptx
@@ -235,7 +235,7 @@
               <a:rPr lang="en-US" b="1" smtClean="0">
                 <a:latin typeface="Open Sans Semibold" panose="020B0606030504020204" pitchFamily="34" charset="0"/>
               </a:rPr>
-              <a:t>5/31/2025</a:t>
+              <a:t>6/4/2025</a:t>
             </a:fld>
             <a:endParaRPr lang="en-US" b="1" dirty="0">
               <a:latin typeface="Open Sans Semibold" panose="020B0606030504020204" pitchFamily="34" charset="0"/>
@@ -413,7 +413,7 @@
             <a:fld id="{E128261A-6A60-FE4F-8563-E0524938461B}" type="datetimeFigureOut">
               <a:rPr lang="en-US" smtClean="0"/>
               <a:pPr/>
-              <a:t>5/31/2025</a:t>
+              <a:t>6/4/2025</a:t>
             </a:fld>
             <a:endParaRPr lang="en-US" dirty="0"/>
           </a:p>
@@ -990,42 +990,6 @@
         <p:txBody>
           <a:bodyPr/>
           <a:lstStyle/>
-          <a:p>
-            <a:pPr marL="0" marR="0" lvl="0" indent="0" algn="l" defTabSz="914400" rtl="0" eaLnBrk="1" fontAlgn="auto" latinLnBrk="0" hangingPunct="1">
-              <a:lnSpc>
-                <a:spcPct val="100000"/>
-              </a:lnSpc>
-              <a:spcBef>
-                <a:spcPts val="0"/>
-              </a:spcBef>
-              <a:spcAft>
-                <a:spcPts val="0"/>
-              </a:spcAft>
-              <a:buClrTx/>
-              <a:buSzTx/>
-              <a:buFontTx/>
-              <a:buNone/>
-              <a:tabLst/>
-              <a:defRPr/>
-            </a:pPr>
-            <a:r>
-              <a:rPr lang="en-US" b="0" dirty="0">
-                <a:solidFill>
-                  <a:srgbClr val="A31515"/>
-                </a:solidFill>
-                <a:effectLst/>
-                <a:latin typeface="Consolas" panose="020B0609020204030204" pitchFamily="49" charset="0"/>
-              </a:rPr>
-              <a:t>https://fhir.epic.com/interconnect-fhir-oauth/api/FHIR/R4/</a:t>
-            </a:r>
-            <a:endParaRPr lang="en-US" b="0" dirty="0">
-              <a:solidFill>
-                <a:srgbClr val="000000"/>
-              </a:solidFill>
-              <a:effectLst/>
-              <a:latin typeface="Consolas" panose="020B0609020204030204" pitchFamily="49" charset="0"/>
-            </a:endParaRPr>
-          </a:p>
           <a:p>
             <a:endParaRPr lang="en-US" dirty="0"/>
           </a:p>
@@ -19649,7 +19613,7 @@
         </p:blipFill>
         <p:spPr>
           <a:xfrm>
-            <a:off x="7377112" y="1930485"/>
+            <a:off x="7763192" y="1997236"/>
             <a:ext cx="2562225" cy="2552700"/>
           </a:xfrm>
           <a:prstGeom prst="rect">
